--- a/docs/media/Timeout-cheat-sheet.pptx
+++ b/docs/media/Timeout-cheat-sheet.pptx
@@ -2124,7 +2124,7 @@
           </a:ln>
           <a:extLst>
             <a:ext uri="{C572A759-6A51-4108-AA02-DFA0A04FC94B}">
-              <ma14:wrappingTextBoxFlag xmlns:ma14="http://schemas.microsoft.com/office/mac/drawingml/2011/main" xmlns:a14="http://schemas.microsoft.com/office/drawing/2010/main" xmlns:m="http://schemas.openxmlformats.org/officeDocument/2006/math" xmlns="" val="1"/>
+              <ma14:wrappingTextBoxFlag xmlns="" xmlns:m="http://schemas.openxmlformats.org/officeDocument/2006/math" xmlns:a14="http://schemas.microsoft.com/office/drawing/2010/main" xmlns:ma14="http://schemas.microsoft.com/office/mac/drawingml/2011/main" val="1"/>
             </a:ext>
           </a:extLst>
         </p:spPr>
@@ -2163,7 +2163,7 @@
           </a:ln>
           <a:extLst>
             <a:ext uri="{C572A759-6A51-4108-AA02-DFA0A04FC94B}">
-              <ma14:wrappingTextBoxFlag xmlns:ma14="http://schemas.microsoft.com/office/mac/drawingml/2011/main" xmlns:a14="http://schemas.microsoft.com/office/drawing/2010/main" xmlns:m="http://schemas.openxmlformats.org/officeDocument/2006/math" xmlns="" val="1"/>
+              <ma14:wrappingTextBoxFlag xmlns="" xmlns:m="http://schemas.openxmlformats.org/officeDocument/2006/math" xmlns:a14="http://schemas.microsoft.com/office/drawing/2010/main" xmlns:ma14="http://schemas.microsoft.com/office/mac/drawingml/2011/main" val="1"/>
             </a:ext>
           </a:extLst>
         </p:spPr>
@@ -3187,7 +3187,7 @@
           </a:ln>
           <a:extLst>
             <a:ext uri="{C572A759-6A51-4108-AA02-DFA0A04FC94B}">
-              <ma14:wrappingTextBoxFlag xmlns:ma14="http://schemas.microsoft.com/office/mac/drawingml/2011/main" xmlns:a14="http://schemas.microsoft.com/office/drawing/2010/main" xmlns:m="http://schemas.openxmlformats.org/officeDocument/2006/math" xmlns="" val="1"/>
+              <ma14:wrappingTextBoxFlag xmlns="" xmlns:m="http://schemas.openxmlformats.org/officeDocument/2006/math" xmlns:a14="http://schemas.microsoft.com/office/drawing/2010/main" xmlns:ma14="http://schemas.microsoft.com/office/mac/drawingml/2011/main" val="1"/>
             </a:ext>
           </a:extLst>
         </p:spPr>
@@ -3236,7 +3236,7 @@
           </a:ln>
           <a:extLst>
             <a:ext uri="{C572A759-6A51-4108-AA02-DFA0A04FC94B}">
-              <ma14:wrappingTextBoxFlag xmlns:ma14="http://schemas.microsoft.com/office/mac/drawingml/2011/main" xmlns:a14="http://schemas.microsoft.com/office/drawing/2010/main" xmlns:m="http://schemas.openxmlformats.org/officeDocument/2006/math" xmlns="" val="1"/>
+              <ma14:wrappingTextBoxFlag xmlns="" xmlns:m="http://schemas.openxmlformats.org/officeDocument/2006/math" xmlns:a14="http://schemas.microsoft.com/office/drawing/2010/main" xmlns:ma14="http://schemas.microsoft.com/office/mac/drawingml/2011/main" val="1"/>
             </a:ext>
           </a:extLst>
         </p:spPr>
@@ -3364,23 +3364,7 @@
                 <a:latin typeface="Source Sans Pro" panose="020B0503030403020204" pitchFamily="34" charset="0"/>
                 <a:ea typeface="Source Sans Pro" panose="020B0503030403020204" pitchFamily="34" charset="0"/>
               </a:rPr>
-              <a:t>If the execution is </a:t>
-            </a:r>
-            <a:r>
-              <a:rPr lang="en-GB" sz="1600" b="0" dirty="0" err="1">
-                <a:effectLst/>
-                <a:latin typeface="Source Sans Pro" panose="020B0503030403020204" pitchFamily="34" charset="0"/>
-                <a:ea typeface="Source Sans Pro" panose="020B0503030403020204" pitchFamily="34" charset="0"/>
-              </a:rPr>
-              <a:t>canceled</a:t>
-            </a:r>
-            <a:r>
-              <a:rPr lang="en-GB" sz="1600" b="0" dirty="0">
-                <a:effectLst/>
-                <a:latin typeface="Source Sans Pro" panose="020B0503030403020204" pitchFamily="34" charset="0"/>
-                <a:ea typeface="Source Sans Pro" panose="020B0503030403020204" pitchFamily="34" charset="0"/>
-              </a:rPr>
-              <a:t>, then the strategy will throw </a:t>
+              <a:t>If the execution is cancelled, then the strategy will throw </a:t>
             </a:r>
             <a:r>
               <a:rPr lang="en-GB" sz="1600" dirty="0" err="1">
@@ -3488,7 +3472,7 @@
           </a:effectLst>
           <a:extLst>
             <a:ext uri="{C572A759-6A51-4108-AA02-DFA0A04FC94B}">
-              <ma14:wrappingTextBoxFlag xmlns:ma14="http://schemas.microsoft.com/office/mac/drawingml/2011/main" xmlns:a14="http://schemas.microsoft.com/office/drawing/2010/main" xmlns:m="http://schemas.openxmlformats.org/officeDocument/2006/math" xmlns="" val="1"/>
+              <ma14:wrappingTextBoxFlag xmlns="" xmlns:m="http://schemas.openxmlformats.org/officeDocument/2006/math" xmlns:a14="http://schemas.microsoft.com/office/drawing/2010/main" xmlns:ma14="http://schemas.microsoft.com/office/mac/drawingml/2011/main" val="1"/>
             </a:ext>
           </a:extLst>
         </p:spPr>
@@ -3556,7 +3540,7 @@
           </a:ln>
           <a:extLst>
             <a:ext uri="{C572A759-6A51-4108-AA02-DFA0A04FC94B}">
-              <ma14:wrappingTextBoxFlag xmlns:ma14="http://schemas.microsoft.com/office/mac/drawingml/2011/main" xmlns:a14="http://schemas.microsoft.com/office/drawing/2010/main" xmlns:m="http://schemas.openxmlformats.org/officeDocument/2006/math" xmlns="" val="1"/>
+              <ma14:wrappingTextBoxFlag xmlns="" xmlns:m="http://schemas.openxmlformats.org/officeDocument/2006/math" xmlns:a14="http://schemas.microsoft.com/office/drawing/2010/main" xmlns:ma14="http://schemas.microsoft.com/office/mac/drawingml/2011/main" val="1"/>
             </a:ext>
           </a:extLst>
         </p:spPr>
@@ -3605,7 +3589,7 @@
           </a:effectLst>
           <a:extLst>
             <a:ext uri="{C572A759-6A51-4108-AA02-DFA0A04FC94B}">
-              <ma14:wrappingTextBoxFlag xmlns:ma14="http://schemas.microsoft.com/office/mac/drawingml/2011/main" xmlns:a14="http://schemas.microsoft.com/office/drawing/2010/main" xmlns:m="http://schemas.openxmlformats.org/officeDocument/2006/math" xmlns="" val="1"/>
+              <ma14:wrappingTextBoxFlag xmlns="" xmlns:m="http://schemas.openxmlformats.org/officeDocument/2006/math" xmlns:a14="http://schemas.microsoft.com/office/drawing/2010/main" xmlns:ma14="http://schemas.microsoft.com/office/mac/drawingml/2011/main" val="1"/>
             </a:ext>
           </a:extLst>
         </p:spPr>
@@ -3673,7 +3657,7 @@
           </a:ln>
           <a:extLst>
             <a:ext uri="{C572A759-6A51-4108-AA02-DFA0A04FC94B}">
-              <ma14:wrappingTextBoxFlag xmlns:ma14="http://schemas.microsoft.com/office/mac/drawingml/2011/main" xmlns:a14="http://schemas.microsoft.com/office/drawing/2010/main" xmlns:m="http://schemas.openxmlformats.org/officeDocument/2006/math" xmlns="" val="1"/>
+              <ma14:wrappingTextBoxFlag xmlns="" xmlns:m="http://schemas.openxmlformats.org/officeDocument/2006/math" xmlns:a14="http://schemas.microsoft.com/office/drawing/2010/main" xmlns:ma14="http://schemas.microsoft.com/office/mac/drawingml/2011/main" val="1"/>
             </a:ext>
           </a:extLst>
         </p:spPr>
@@ -3718,7 +3702,7 @@
           </a:ln>
           <a:extLst>
             <a:ext uri="{C572A759-6A51-4108-AA02-DFA0A04FC94B}">
-              <ma14:wrappingTextBoxFlag xmlns:ma14="http://schemas.microsoft.com/office/mac/drawingml/2011/main" xmlns:a14="http://schemas.microsoft.com/office/drawing/2010/main" xmlns:m="http://schemas.openxmlformats.org/officeDocument/2006/math" xmlns="" val="1"/>
+              <ma14:wrappingTextBoxFlag xmlns="" xmlns:m="http://schemas.openxmlformats.org/officeDocument/2006/math" xmlns:a14="http://schemas.microsoft.com/office/drawing/2010/main" xmlns:ma14="http://schemas.microsoft.com/office/mac/drawingml/2011/main" val="1"/>
             </a:ext>
           </a:extLst>
         </p:spPr>
@@ -3794,7 +3778,7 @@
           </a:ln>
           <a:extLst>
             <a:ext uri="{C572A759-6A51-4108-AA02-DFA0A04FC94B}">
-              <ma14:wrappingTextBoxFlag xmlns:ma14="http://schemas.microsoft.com/office/mac/drawingml/2011/main" xmlns:a14="http://schemas.microsoft.com/office/drawing/2010/main" xmlns:m="http://schemas.openxmlformats.org/officeDocument/2006/math" xmlns="" val="1"/>
+              <ma14:wrappingTextBoxFlag xmlns="" xmlns:m="http://schemas.openxmlformats.org/officeDocument/2006/math" xmlns:a14="http://schemas.microsoft.com/office/drawing/2010/main" xmlns:ma14="http://schemas.microsoft.com/office/mac/drawingml/2011/main" val="1"/>
             </a:ext>
           </a:extLst>
         </p:spPr>
@@ -3862,7 +3846,7 @@
           </a:ln>
           <a:extLst>
             <a:ext uri="{C572A759-6A51-4108-AA02-DFA0A04FC94B}">
-              <ma14:wrappingTextBoxFlag xmlns:ma14="http://schemas.microsoft.com/office/mac/drawingml/2011/main" xmlns:a14="http://schemas.microsoft.com/office/drawing/2010/main" xmlns:m="http://schemas.openxmlformats.org/officeDocument/2006/math" xmlns="" val="1"/>
+              <ma14:wrappingTextBoxFlag xmlns="" xmlns:m="http://schemas.openxmlformats.org/officeDocument/2006/math" xmlns:a14="http://schemas.microsoft.com/office/drawing/2010/main" xmlns:ma14="http://schemas.microsoft.com/office/mac/drawingml/2011/main" val="1"/>
             </a:ext>
           </a:extLst>
         </p:spPr>
@@ -3938,7 +3922,7 @@
           </a:ln>
           <a:extLst>
             <a:ext uri="{C572A759-6A51-4108-AA02-DFA0A04FC94B}">
-              <ma14:wrappingTextBoxFlag xmlns:ma14="http://schemas.microsoft.com/office/mac/drawingml/2011/main" xmlns:a14="http://schemas.microsoft.com/office/drawing/2010/main" xmlns:m="http://schemas.openxmlformats.org/officeDocument/2006/math" xmlns="" val="1"/>
+              <ma14:wrappingTextBoxFlag xmlns="" xmlns:m="http://schemas.openxmlformats.org/officeDocument/2006/math" xmlns:a14="http://schemas.microsoft.com/office/drawing/2010/main" xmlns:ma14="http://schemas.microsoft.com/office/mac/drawingml/2011/main" val="1"/>
             </a:ext>
           </a:extLst>
         </p:spPr>
@@ -3971,7 +3955,7 @@
                   <a:srgbClr val="628DB5"/>
                 </a:solidFill>
               </a:rPr>
-              <a:t>Specify asynchronously delegate for timeout notification </a:t>
+              <a:t>Specify asynchronous delegate for notification </a:t>
             </a:r>
           </a:p>
           <a:p>
